--- a/2021-02-05-oop.pptx
+++ b/2021-02-05-oop.pptx
@@ -209,7 +209,7 @@
           <a:p>
             <a:fld id="{7A43D07F-AFA4-8B40-8F07-6B7232D25FE3}" type="datetimeFigureOut">
               <a:rPr lang="en-US" smtClean="0"/>
-              <a:t>2/4/21</a:t>
+              <a:t>2/5/21</a:t>
             </a:fld>
             <a:endParaRPr lang="en-US"/>
           </a:p>
@@ -1214,7 +1214,7 @@
           <a:p>
             <a:fld id="{0FAB6B49-B434-E04B-8B19-9D0B03FF27E8}" type="datetimeFigureOut">
               <a:rPr lang="en-US" smtClean="0"/>
-              <a:t>2/4/21</a:t>
+              <a:t>2/5/21</a:t>
             </a:fld>
             <a:endParaRPr lang="en-US"/>
           </a:p>
@@ -1412,7 +1412,7 @@
           <a:p>
             <a:fld id="{0FAB6B49-B434-E04B-8B19-9D0B03FF27E8}" type="datetimeFigureOut">
               <a:rPr lang="en-US" smtClean="0"/>
-              <a:t>2/4/21</a:t>
+              <a:t>2/5/21</a:t>
             </a:fld>
             <a:endParaRPr lang="en-US"/>
           </a:p>
@@ -1620,7 +1620,7 @@
           <a:p>
             <a:fld id="{0FAB6B49-B434-E04B-8B19-9D0B03FF27E8}" type="datetimeFigureOut">
               <a:rPr lang="en-US" smtClean="0"/>
-              <a:t>2/4/21</a:t>
+              <a:t>2/5/21</a:t>
             </a:fld>
             <a:endParaRPr lang="en-US"/>
           </a:p>
@@ -1818,7 +1818,7 @@
           <a:p>
             <a:fld id="{0FAB6B49-B434-E04B-8B19-9D0B03FF27E8}" type="datetimeFigureOut">
               <a:rPr lang="en-US" smtClean="0"/>
-              <a:t>2/4/21</a:t>
+              <a:t>2/5/21</a:t>
             </a:fld>
             <a:endParaRPr lang="en-US"/>
           </a:p>
@@ -2093,7 +2093,7 @@
           <a:p>
             <a:fld id="{0FAB6B49-B434-E04B-8B19-9D0B03FF27E8}" type="datetimeFigureOut">
               <a:rPr lang="en-US" smtClean="0"/>
-              <a:t>2/4/21</a:t>
+              <a:t>2/5/21</a:t>
             </a:fld>
             <a:endParaRPr lang="en-US"/>
           </a:p>
@@ -2358,7 +2358,7 @@
           <a:p>
             <a:fld id="{0FAB6B49-B434-E04B-8B19-9D0B03FF27E8}" type="datetimeFigureOut">
               <a:rPr lang="en-US" smtClean="0"/>
-              <a:t>2/4/21</a:t>
+              <a:t>2/5/21</a:t>
             </a:fld>
             <a:endParaRPr lang="en-US"/>
           </a:p>
@@ -2770,7 +2770,7 @@
           <a:p>
             <a:fld id="{0FAB6B49-B434-E04B-8B19-9D0B03FF27E8}" type="datetimeFigureOut">
               <a:rPr lang="en-US" smtClean="0"/>
-              <a:t>2/4/21</a:t>
+              <a:t>2/5/21</a:t>
             </a:fld>
             <a:endParaRPr lang="en-US"/>
           </a:p>
@@ -2911,7 +2911,7 @@
           <a:p>
             <a:fld id="{0FAB6B49-B434-E04B-8B19-9D0B03FF27E8}" type="datetimeFigureOut">
               <a:rPr lang="en-US" smtClean="0"/>
-              <a:t>2/4/21</a:t>
+              <a:t>2/5/21</a:t>
             </a:fld>
             <a:endParaRPr lang="en-US"/>
           </a:p>
@@ -3024,7 +3024,7 @@
           <a:p>
             <a:fld id="{0FAB6B49-B434-E04B-8B19-9D0B03FF27E8}" type="datetimeFigureOut">
               <a:rPr lang="en-US" smtClean="0"/>
-              <a:t>2/4/21</a:t>
+              <a:t>2/5/21</a:t>
             </a:fld>
             <a:endParaRPr lang="en-US"/>
           </a:p>
@@ -3335,7 +3335,7 @@
           <a:p>
             <a:fld id="{0FAB6B49-B434-E04B-8B19-9D0B03FF27E8}" type="datetimeFigureOut">
               <a:rPr lang="en-US" smtClean="0"/>
-              <a:t>2/4/21</a:t>
+              <a:t>2/5/21</a:t>
             </a:fld>
             <a:endParaRPr lang="en-US"/>
           </a:p>
@@ -3623,7 +3623,7 @@
           <a:p>
             <a:fld id="{0FAB6B49-B434-E04B-8B19-9D0B03FF27E8}" type="datetimeFigureOut">
               <a:rPr lang="en-US" smtClean="0"/>
-              <a:t>2/4/21</a:t>
+              <a:t>2/5/21</a:t>
             </a:fld>
             <a:endParaRPr lang="en-US"/>
           </a:p>
@@ -3864,7 +3864,7 @@
           <a:p>
             <a:fld id="{0FAB6B49-B434-E04B-8B19-9D0B03FF27E8}" type="datetimeFigureOut">
               <a:rPr lang="en-US" smtClean="0"/>
-              <a:t>2/4/21</a:t>
+              <a:t>2/5/21</a:t>
             </a:fld>
             <a:endParaRPr lang="en-US"/>
           </a:p>
@@ -4959,7 +4959,7 @@
             </a:pPr>
             <a:r>
               <a:rPr lang="en-US" sz="2000" dirty="0"/>
-              <a:t>Scrum Team Chapter Review: Binary Values and Number Systems</a:t>
+              <a:t>Scrum Team Chapter Review</a:t>
             </a:r>
           </a:p>
           <a:p>
@@ -5547,41 +5547,6 @@
           </a:p>
         </p:txBody>
       </p:sp>
-      <p:pic>
-        <p:nvPicPr>
-          <p:cNvPr id="5" name="Picture 4">
-            <a:extLst>
-              <a:ext uri="{FF2B5EF4-FFF2-40B4-BE49-F238E27FC236}">
-                <a16:creationId xmlns:a16="http://schemas.microsoft.com/office/drawing/2014/main" id="{C4141698-382F-1A4C-BDA4-97068B475109}"/>
-              </a:ext>
-            </a:extLst>
-          </p:cNvPr>
-          <p:cNvPicPr>
-            <a:picLocks noChangeAspect="1"/>
-          </p:cNvPicPr>
-          <p:nvPr/>
-        </p:nvPicPr>
-        <p:blipFill>
-          <a:blip r:embed="rId4"/>
-          <a:stretch>
-            <a:fillRect/>
-          </a:stretch>
-        </p:blipFill>
-        <p:spPr>
-          <a:xfrm>
-            <a:off x="1295407" y="4110305"/>
-            <a:ext cx="9627205" cy="1533537"/>
-          </a:xfrm>
-          <a:prstGeom prst="rect">
-            <a:avLst/>
-          </a:prstGeom>
-          <a:ln w="25400">
-            <a:solidFill>
-              <a:schemeClr val="tx1"/>
-            </a:solidFill>
-          </a:ln>
-        </p:spPr>
-      </p:pic>
     </p:spTree>
     <p:extLst>
       <p:ext uri="{BB962C8B-B14F-4D97-AF65-F5344CB8AC3E}">
@@ -5682,97 +5647,6 @@
                                         <p:strVal val="hidden"/>
                                       </p:to>
                                     </p:set>
-                                  </p:childTnLst>
-                                </p:cTn>
-                              </p:par>
-                            </p:childTnLst>
-                          </p:cTn>
-                        </p:par>
-                      </p:childTnLst>
-                    </p:cTn>
-                  </p:par>
-                  <p:par>
-                    <p:cTn id="9" fill="hold">
-                      <p:stCondLst>
-                        <p:cond delay="indefinite"/>
-                      </p:stCondLst>
-                      <p:childTnLst>
-                        <p:par>
-                          <p:cTn id="10" fill="hold">
-                            <p:stCondLst>
-                              <p:cond delay="0"/>
-                            </p:stCondLst>
-                            <p:childTnLst>
-                              <p:par>
-                                <p:cTn id="11" presetID="2" presetClass="entr" presetSubtype="4" fill="hold" nodeType="clickEffect">
-                                  <p:stCondLst>
-                                    <p:cond delay="0"/>
-                                  </p:stCondLst>
-                                  <p:childTnLst>
-                                    <p:set>
-                                      <p:cBhvr>
-                                        <p:cTn id="12" dur="1" fill="hold">
-                                          <p:stCondLst>
-                                            <p:cond delay="0"/>
-                                          </p:stCondLst>
-                                        </p:cTn>
-                                        <p:tgtEl>
-                                          <p:spTgt spid="5"/>
-                                        </p:tgtEl>
-                                        <p:attrNameLst>
-                                          <p:attrName>style.visibility</p:attrName>
-                                        </p:attrNameLst>
-                                      </p:cBhvr>
-                                      <p:to>
-                                        <p:strVal val="visible"/>
-                                      </p:to>
-                                    </p:set>
-                                    <p:anim calcmode="lin" valueType="num">
-                                      <p:cBhvr additive="base">
-                                        <p:cTn id="13" dur="500" fill="hold"/>
-                                        <p:tgtEl>
-                                          <p:spTgt spid="5"/>
-                                        </p:tgtEl>
-                                        <p:attrNameLst>
-                                          <p:attrName>ppt_x</p:attrName>
-                                        </p:attrNameLst>
-                                      </p:cBhvr>
-                                      <p:tavLst>
-                                        <p:tav tm="0">
-                                          <p:val>
-                                            <p:strVal val="#ppt_x"/>
-                                          </p:val>
-                                        </p:tav>
-                                        <p:tav tm="100000">
-                                          <p:val>
-                                            <p:strVal val="#ppt_x"/>
-                                          </p:val>
-                                        </p:tav>
-                                      </p:tavLst>
-                                    </p:anim>
-                                    <p:anim calcmode="lin" valueType="num">
-                                      <p:cBhvr additive="base">
-                                        <p:cTn id="14" dur="500" fill="hold"/>
-                                        <p:tgtEl>
-                                          <p:spTgt spid="5"/>
-                                        </p:tgtEl>
-                                        <p:attrNameLst>
-                                          <p:attrName>ppt_y</p:attrName>
-                                        </p:attrNameLst>
-                                      </p:cBhvr>
-                                      <p:tavLst>
-                                        <p:tav tm="0">
-                                          <p:val>
-                                            <p:strVal val="1+#ppt_h/2"/>
-                                          </p:val>
-                                        </p:tav>
-                                        <p:tav tm="100000">
-                                          <p:val>
-                                            <p:strVal val="#ppt_y"/>
-                                          </p:val>
-                                        </p:tav>
-                                      </p:tavLst>
-                                    </p:anim>
                                   </p:childTnLst>
                                 </p:cTn>
                               </p:par>
